--- a/Homework.pptx
+++ b/Homework.pptx
@@ -10,6 +10,8 @@
     <p:sldId id="258" r:id="rId4"/>
     <p:sldId id="259" r:id="rId5"/>
     <p:sldId id="260" r:id="rId6"/>
+    <p:sldId id="261" r:id="rId7"/>
+    <p:sldId id="262" r:id="rId8"/>
   </p:sldIdLst>
   <p:sldSz cx="12192000" cy="6858000"/>
   <p:notesSz cx="6858000" cy="9144000"/>
@@ -128,6 +130,12 @@
             <p14:sldId id="260"/>
           </p14:sldIdLst>
         </p14:section>
+        <p14:section name="2.hafta 2.ders" id="{CB0BBD7D-82DB-472B-AB74-F58CA4D70570}">
+          <p14:sldIdLst>
+            <p14:sldId id="261"/>
+            <p14:sldId id="262"/>
+          </p14:sldIdLst>
+        </p14:section>
       </p14:sectionLst>
     </p:ext>
     <p:ext uri="{EFAFB233-063F-42B5-8137-9DF3F51BA10A}">
@@ -284,7 +292,7 @@
           <a:p>
             <a:fld id="{A1D32ABE-803A-455C-BAD0-CE93E9C90176}" type="datetimeFigureOut">
               <a:rPr lang="tr-TR" smtClean="0"/>
-              <a:t>25.05.2022</a:t>
+              <a:t>29.05.2022</a:t>
             </a:fld>
             <a:endParaRPr lang="tr-TR"/>
           </a:p>
@@ -482,7 +490,7 @@
           <a:p>
             <a:fld id="{A1D32ABE-803A-455C-BAD0-CE93E9C90176}" type="datetimeFigureOut">
               <a:rPr lang="tr-TR" smtClean="0"/>
-              <a:t>25.05.2022</a:t>
+              <a:t>29.05.2022</a:t>
             </a:fld>
             <a:endParaRPr lang="tr-TR"/>
           </a:p>
@@ -690,7 +698,7 @@
           <a:p>
             <a:fld id="{A1D32ABE-803A-455C-BAD0-CE93E9C90176}" type="datetimeFigureOut">
               <a:rPr lang="tr-TR" smtClean="0"/>
-              <a:t>25.05.2022</a:t>
+              <a:t>29.05.2022</a:t>
             </a:fld>
             <a:endParaRPr lang="tr-TR"/>
           </a:p>
@@ -888,7 +896,7 @@
           <a:p>
             <a:fld id="{A1D32ABE-803A-455C-BAD0-CE93E9C90176}" type="datetimeFigureOut">
               <a:rPr lang="tr-TR" smtClean="0"/>
-              <a:t>25.05.2022</a:t>
+              <a:t>29.05.2022</a:t>
             </a:fld>
             <a:endParaRPr lang="tr-TR"/>
           </a:p>
@@ -1163,7 +1171,7 @@
           <a:p>
             <a:fld id="{A1D32ABE-803A-455C-BAD0-CE93E9C90176}" type="datetimeFigureOut">
               <a:rPr lang="tr-TR" smtClean="0"/>
-              <a:t>25.05.2022</a:t>
+              <a:t>29.05.2022</a:t>
             </a:fld>
             <a:endParaRPr lang="tr-TR"/>
           </a:p>
@@ -1428,7 +1436,7 @@
           <a:p>
             <a:fld id="{A1D32ABE-803A-455C-BAD0-CE93E9C90176}" type="datetimeFigureOut">
               <a:rPr lang="tr-TR" smtClean="0"/>
-              <a:t>25.05.2022</a:t>
+              <a:t>29.05.2022</a:t>
             </a:fld>
             <a:endParaRPr lang="tr-TR"/>
           </a:p>
@@ -1840,7 +1848,7 @@
           <a:p>
             <a:fld id="{A1D32ABE-803A-455C-BAD0-CE93E9C90176}" type="datetimeFigureOut">
               <a:rPr lang="tr-TR" smtClean="0"/>
-              <a:t>25.05.2022</a:t>
+              <a:t>29.05.2022</a:t>
             </a:fld>
             <a:endParaRPr lang="tr-TR"/>
           </a:p>
@@ -1981,7 +1989,7 @@
           <a:p>
             <a:fld id="{A1D32ABE-803A-455C-BAD0-CE93E9C90176}" type="datetimeFigureOut">
               <a:rPr lang="tr-TR" smtClean="0"/>
-              <a:t>25.05.2022</a:t>
+              <a:t>29.05.2022</a:t>
             </a:fld>
             <a:endParaRPr lang="tr-TR"/>
           </a:p>
@@ -2094,7 +2102,7 @@
           <a:p>
             <a:fld id="{A1D32ABE-803A-455C-BAD0-CE93E9C90176}" type="datetimeFigureOut">
               <a:rPr lang="tr-TR" smtClean="0"/>
-              <a:t>25.05.2022</a:t>
+              <a:t>29.05.2022</a:t>
             </a:fld>
             <a:endParaRPr lang="tr-TR"/>
           </a:p>
@@ -2405,7 +2413,7 @@
           <a:p>
             <a:fld id="{A1D32ABE-803A-455C-BAD0-CE93E9C90176}" type="datetimeFigureOut">
               <a:rPr lang="tr-TR" smtClean="0"/>
-              <a:t>25.05.2022</a:t>
+              <a:t>29.05.2022</a:t>
             </a:fld>
             <a:endParaRPr lang="tr-TR"/>
           </a:p>
@@ -2693,7 +2701,7 @@
           <a:p>
             <a:fld id="{A1D32ABE-803A-455C-BAD0-CE93E9C90176}" type="datetimeFigureOut">
               <a:rPr lang="tr-TR" smtClean="0"/>
-              <a:t>25.05.2022</a:t>
+              <a:t>29.05.2022</a:t>
             </a:fld>
             <a:endParaRPr lang="tr-TR"/>
           </a:p>
@@ -2934,7 +2942,7 @@
           <a:p>
             <a:fld id="{A1D32ABE-803A-455C-BAD0-CE93E9C90176}" type="datetimeFigureOut">
               <a:rPr lang="tr-TR" smtClean="0"/>
-              <a:t>25.05.2022</a:t>
+              <a:t>29.05.2022</a:t>
             </a:fld>
             <a:endParaRPr lang="tr-TR"/>
           </a:p>
@@ -6106,6 +6114,843 @@
 </p:sld>
 </file>
 
+<file path=ppt/slides/slide6.xml><?xml version="1.0" encoding="utf-8"?>
+<p:sld xmlns:a="http://schemas.openxmlformats.org/drawingml/2006/main" xmlns:r="http://schemas.openxmlformats.org/officeDocument/2006/relationships" xmlns:p="http://schemas.openxmlformats.org/presentationml/2006/main">
+  <p:cSld>
+    <p:bg>
+      <p:bgPr>
+        <a:solidFill>
+          <a:srgbClr val="29344A"/>
+        </a:solidFill>
+        <a:effectLst/>
+      </p:bgPr>
+    </p:bg>
+    <p:spTree>
+      <p:nvGrpSpPr>
+        <p:cNvPr id="1" name=""/>
+        <p:cNvGrpSpPr/>
+        <p:nvPr/>
+      </p:nvGrpSpPr>
+      <p:grpSpPr>
+        <a:xfrm>
+          <a:off x="0" y="0"/>
+          <a:ext cx="0" cy="0"/>
+          <a:chOff x="0" y="0"/>
+          <a:chExt cx="0" cy="0"/>
+        </a:xfrm>
+      </p:grpSpPr>
+      <p:sp>
+        <p:nvSpPr>
+          <p:cNvPr id="2" name="Başlık 1">
+            <a:extLst>
+              <a:ext uri="{FF2B5EF4-FFF2-40B4-BE49-F238E27FC236}">
+                <a16:creationId xmlns:a16="http://schemas.microsoft.com/office/drawing/2014/main" id="{AA8E173F-A0C7-86F2-E38E-8AC1948DAA06}"/>
+              </a:ext>
+            </a:extLst>
+          </p:cNvPr>
+          <p:cNvSpPr>
+            <a:spLocks noGrp="1"/>
+          </p:cNvSpPr>
+          <p:nvPr>
+            <p:ph type="title"/>
+          </p:nvPr>
+        </p:nvSpPr>
+        <p:spPr>
+          <a:xfrm>
+            <a:off x="2088291" y="365125"/>
+            <a:ext cx="8894805" cy="1040027"/>
+          </a:xfrm>
+          <a:solidFill>
+            <a:srgbClr val="00C26C"/>
+          </a:solidFill>
+          <a:ln w="76200">
+            <a:solidFill>
+              <a:schemeClr val="bg1"/>
+            </a:solidFill>
+          </a:ln>
+        </p:spPr>
+        <p:txBody>
+          <a:bodyPr/>
+          <a:lstStyle/>
+          <a:p>
+            <a:r>
+              <a:rPr lang="tr-TR" dirty="0">
+                <a:solidFill>
+                  <a:schemeClr val="bg1"/>
+                </a:solidFill>
+                <a:latin typeface="Adobe Fan Heiti Std B" panose="020B0700000000000000" pitchFamily="34" charset="-128"/>
+                <a:ea typeface="Adobe Fan Heiti Std B" panose="020B0700000000000000" pitchFamily="34" charset="-128"/>
+              </a:rPr>
+              <a:t># 2.hafta Ödev1</a:t>
+            </a:r>
+          </a:p>
+        </p:txBody>
+      </p:sp>
+      <p:pic>
+        <p:nvPicPr>
+          <p:cNvPr id="4" name="Resim 3">
+            <a:extLst>
+              <a:ext uri="{FF2B5EF4-FFF2-40B4-BE49-F238E27FC236}">
+                <a16:creationId xmlns:a16="http://schemas.microsoft.com/office/drawing/2014/main" id="{06B69462-DC45-9F96-E523-2D80869D34E1}"/>
+              </a:ext>
+            </a:extLst>
+          </p:cNvPr>
+          <p:cNvPicPr>
+            <a:picLocks noChangeAspect="1"/>
+          </p:cNvPicPr>
+          <p:nvPr/>
+        </p:nvPicPr>
+        <p:blipFill>
+          <a:blip r:embed="rId2"/>
+          <a:stretch>
+            <a:fillRect/>
+          </a:stretch>
+        </p:blipFill>
+        <p:spPr>
+          <a:xfrm>
+            <a:off x="838200" y="365125"/>
+            <a:ext cx="1040027" cy="1040027"/>
+          </a:xfrm>
+          <a:prstGeom prst="rect">
+            <a:avLst/>
+          </a:prstGeom>
+          <a:solidFill>
+            <a:srgbClr val="FFFFFF">
+              <a:shade val="85000"/>
+            </a:srgbClr>
+          </a:solidFill>
+          <a:ln w="88900" cap="sq">
+            <a:solidFill>
+              <a:srgbClr val="FFFFFF"/>
+            </a:solidFill>
+            <a:miter lim="800000"/>
+          </a:ln>
+          <a:effectLst>
+            <a:outerShdw blurRad="55000" dist="18000" dir="5400000" algn="tl" rotWithShape="0">
+              <a:srgbClr val="000000">
+                <a:alpha val="40000"/>
+              </a:srgbClr>
+            </a:outerShdw>
+          </a:effectLst>
+          <a:scene3d>
+            <a:camera prst="orthographicFront"/>
+            <a:lightRig rig="twoPt" dir="t">
+              <a:rot lat="0" lon="0" rev="7200000"/>
+            </a:lightRig>
+          </a:scene3d>
+          <a:sp3d>
+            <a:bevelT w="25400" h="19050"/>
+            <a:contourClr>
+              <a:srgbClr val="FFFFFF"/>
+            </a:contourClr>
+          </a:sp3d>
+        </p:spPr>
+      </p:pic>
+      <p:sp>
+        <p:nvSpPr>
+          <p:cNvPr id="3" name="İçerik Yer Tutucusu 2">
+            <a:extLst>
+              <a:ext uri="{FF2B5EF4-FFF2-40B4-BE49-F238E27FC236}">
+                <a16:creationId xmlns:a16="http://schemas.microsoft.com/office/drawing/2014/main" id="{0167A820-179F-E710-798B-F26EED585CC0}"/>
+              </a:ext>
+            </a:extLst>
+          </p:cNvPr>
+          <p:cNvSpPr>
+            <a:spLocks noGrp="1"/>
+          </p:cNvSpPr>
+          <p:nvPr>
+            <p:ph idx="1"/>
+          </p:nvPr>
+        </p:nvSpPr>
+        <p:spPr>
+          <a:xfrm>
+            <a:off x="838199" y="1553777"/>
+            <a:ext cx="10144897" cy="4735812"/>
+          </a:xfrm>
+        </p:spPr>
+        <p:txBody>
+          <a:bodyPr numCol="2" spcCol="360000">
+            <a:normAutofit/>
+          </a:bodyPr>
+          <a:lstStyle/>
+          <a:p>
+            <a:pPr marL="0" indent="0">
+              <a:buNone/>
+            </a:pPr>
+            <a:r>
+              <a:rPr lang="tr-TR" sz="2400" b="1" u="sng" dirty="0" err="1">
+                <a:solidFill>
+                  <a:schemeClr val="bg1"/>
+                </a:solidFill>
+                <a:latin typeface="Bahnschrift SemiBold" panose="020B0502040204020203" pitchFamily="34" charset="0"/>
+              </a:rPr>
+              <a:t>Bootstrap</a:t>
+            </a:r>
+            <a:r>
+              <a:rPr lang="tr-TR" sz="2400" b="1" u="sng" dirty="0">
+                <a:solidFill>
+                  <a:schemeClr val="bg1"/>
+                </a:solidFill>
+                <a:latin typeface="Bahnschrift SemiBold" panose="020B0502040204020203" pitchFamily="34" charset="0"/>
+              </a:rPr>
+              <a:t>: </a:t>
+            </a:r>
+            <a:r>
+              <a:rPr lang="tr-TR" sz="2400" b="1" u="sng" dirty="0" err="1">
+                <a:solidFill>
+                  <a:schemeClr val="bg1"/>
+                </a:solidFill>
+                <a:latin typeface="Bahnschrift SemiBold" panose="020B0502040204020203" pitchFamily="34" charset="0"/>
+              </a:rPr>
+              <a:t>integrity</a:t>
+            </a:r>
+            <a:r>
+              <a:rPr lang="tr-TR" sz="2400" b="1" u="sng" dirty="0">
+                <a:solidFill>
+                  <a:schemeClr val="bg1"/>
+                </a:solidFill>
+                <a:latin typeface="Bahnschrift SemiBold" panose="020B0502040204020203" pitchFamily="34" charset="0"/>
+              </a:rPr>
+              <a:t> ve </a:t>
+            </a:r>
+            <a:r>
+              <a:rPr lang="tr-TR" sz="2400" b="1" u="sng" dirty="0" err="1">
+                <a:solidFill>
+                  <a:schemeClr val="bg1"/>
+                </a:solidFill>
+                <a:latin typeface="Bahnschrift SemiBold" panose="020B0502040204020203" pitchFamily="34" charset="0"/>
+              </a:rPr>
+              <a:t>crossorigin</a:t>
+            </a:r>
+            <a:r>
+              <a:rPr lang="tr-TR" sz="2400" b="1" u="sng" dirty="0">
+                <a:solidFill>
+                  <a:schemeClr val="bg1"/>
+                </a:solidFill>
+                <a:latin typeface="Bahnschrift SemiBold" panose="020B0502040204020203" pitchFamily="34" charset="0"/>
+              </a:rPr>
+              <a:t> Nedir?</a:t>
+            </a:r>
+          </a:p>
+          <a:p>
+            <a:pPr marL="0" indent="0">
+              <a:buNone/>
+            </a:pPr>
+            <a:r>
+              <a:rPr lang="tr-TR" sz="2000" b="1" u="sng" dirty="0" err="1">
+                <a:solidFill>
+                  <a:schemeClr val="bg1"/>
+                </a:solidFill>
+                <a:latin typeface="Bahnschrift SemiBold" panose="020B0502040204020203" pitchFamily="34" charset="0"/>
+              </a:rPr>
+              <a:t>İntegrity</a:t>
+            </a:r>
+            <a:r>
+              <a:rPr lang="tr-TR" sz="2000" b="1" u="sng" dirty="0">
+                <a:solidFill>
+                  <a:schemeClr val="bg1"/>
+                </a:solidFill>
+                <a:latin typeface="Bahnschrift SemiBold" panose="020B0502040204020203" pitchFamily="34" charset="0"/>
+              </a:rPr>
+              <a:t>(Bütünlük)</a:t>
+            </a:r>
+          </a:p>
+          <a:p>
+            <a:pPr marL="0" indent="0">
+              <a:buNone/>
+            </a:pPr>
+            <a:r>
+              <a:rPr lang="tr-TR" sz="2000" b="1" dirty="0">
+                <a:solidFill>
+                  <a:schemeClr val="bg1"/>
+                </a:solidFill>
+                <a:latin typeface="Bahnschrift SemiBold" panose="020B0502040204020203" pitchFamily="34" charset="0"/>
+              </a:rPr>
+              <a:t>Bütünlük </a:t>
+            </a:r>
+            <a:r>
+              <a:rPr lang="tr-TR" sz="2000" b="1" dirty="0" err="1">
+                <a:solidFill>
+                  <a:schemeClr val="bg1"/>
+                </a:solidFill>
+                <a:latin typeface="Bahnschrift SemiBold" panose="020B0502040204020203" pitchFamily="34" charset="0"/>
+              </a:rPr>
+              <a:t>cdn</a:t>
+            </a:r>
+            <a:r>
+              <a:rPr lang="tr-TR" sz="2000" b="1" dirty="0">
+                <a:solidFill>
+                  <a:schemeClr val="bg1"/>
+                </a:solidFill>
+                <a:latin typeface="Bahnschrift SemiBold" panose="020B0502040204020203" pitchFamily="34" charset="0"/>
+              </a:rPr>
+              <a:t> kaynağına istek yapılırken yollanan </a:t>
+            </a:r>
+            <a:r>
+              <a:rPr lang="tr-TR" sz="2000" b="1" dirty="0" err="1">
+                <a:solidFill>
+                  <a:schemeClr val="bg1"/>
+                </a:solidFill>
+                <a:latin typeface="Bahnschrift SemiBold" panose="020B0502040204020203" pitchFamily="34" charset="0"/>
+              </a:rPr>
+              <a:t>hash</a:t>
+            </a:r>
+            <a:r>
+              <a:rPr lang="tr-TR" sz="2000" b="1" dirty="0">
+                <a:solidFill>
+                  <a:schemeClr val="bg1"/>
+                </a:solidFill>
+                <a:latin typeface="Bahnschrift SemiBold" panose="020B0502040204020203" pitchFamily="34" charset="0"/>
+              </a:rPr>
+              <a:t> kodunun içerdiği bilgilerin sunucu tarafında kıyaslanarak doğru veri eşleşmesi durumunda cevap </a:t>
+            </a:r>
+            <a:r>
+              <a:rPr lang="tr-TR" sz="2000" b="1" dirty="0" err="1">
+                <a:solidFill>
+                  <a:schemeClr val="bg1"/>
+                </a:solidFill>
+                <a:latin typeface="Bahnschrift SemiBold" panose="020B0502040204020203" pitchFamily="34" charset="0"/>
+              </a:rPr>
+              <a:t>dödürülmesini</a:t>
+            </a:r>
+            <a:r>
+              <a:rPr lang="tr-TR" sz="2000" b="1" dirty="0">
+                <a:solidFill>
+                  <a:schemeClr val="bg1"/>
+                </a:solidFill>
+                <a:latin typeface="Bahnschrift SemiBold" panose="020B0502040204020203" pitchFamily="34" charset="0"/>
+              </a:rPr>
+              <a:t> sağlanması durumudur.</a:t>
+            </a:r>
+          </a:p>
+          <a:p>
+            <a:pPr marL="0" indent="0">
+              <a:buNone/>
+            </a:pPr>
+            <a:r>
+              <a:rPr lang="tr-TR" sz="2000" b="1" dirty="0">
+                <a:solidFill>
+                  <a:schemeClr val="bg1"/>
+                </a:solidFill>
+                <a:latin typeface="Bahnschrift SemiBold" panose="020B0502040204020203" pitchFamily="34" charset="0"/>
+              </a:rPr>
+              <a:t>İstenen veri için bir sağlama yapılır. Eğer sağlama eşleşmez ise kötücül saldırılardan </a:t>
+            </a:r>
+            <a:r>
+              <a:rPr lang="tr-TR" sz="2000" b="1" dirty="0" err="1">
+                <a:solidFill>
+                  <a:schemeClr val="bg1"/>
+                </a:solidFill>
+                <a:latin typeface="Bahnschrift SemiBold" panose="020B0502040204020203" pitchFamily="34" charset="0"/>
+              </a:rPr>
+              <a:t>bootstrap</a:t>
+            </a:r>
+            <a:r>
+              <a:rPr lang="tr-TR" sz="2000" b="1" dirty="0">
+                <a:solidFill>
+                  <a:schemeClr val="bg1"/>
+                </a:solidFill>
+                <a:latin typeface="Bahnschrift SemiBold" panose="020B0502040204020203" pitchFamily="34" charset="0"/>
+              </a:rPr>
+              <a:t> kodu korunmuş olur.</a:t>
+            </a:r>
+          </a:p>
+          <a:p>
+            <a:pPr marL="0" indent="0">
+              <a:buNone/>
+            </a:pPr>
+            <a:r>
+              <a:rPr lang="tr-TR" sz="2000" b="1" dirty="0">
+                <a:solidFill>
+                  <a:schemeClr val="bg1"/>
+                </a:solidFill>
+                <a:latin typeface="Bahnschrift SemiBold" panose="020B0502040204020203" pitchFamily="34" charset="0"/>
+              </a:rPr>
+              <a:t>		</a:t>
+            </a:r>
+          </a:p>
+          <a:p>
+            <a:pPr marL="0" indent="0">
+              <a:buNone/>
+            </a:pPr>
+            <a:endParaRPr lang="tr-TR" sz="2000" b="1" dirty="0">
+              <a:solidFill>
+                <a:schemeClr val="bg1"/>
+              </a:solidFill>
+              <a:latin typeface="Bahnschrift SemiBold" panose="020B0502040204020203" pitchFamily="34" charset="0"/>
+            </a:endParaRPr>
+          </a:p>
+          <a:p>
+            <a:pPr marL="0" indent="0">
+              <a:buNone/>
+            </a:pPr>
+            <a:r>
+              <a:rPr lang="tr-TR" sz="2000" b="1" dirty="0" err="1">
+                <a:solidFill>
+                  <a:schemeClr val="bg1"/>
+                </a:solidFill>
+                <a:latin typeface="Bahnschrift SemiBold" panose="020B0502040204020203" pitchFamily="34" charset="0"/>
+              </a:rPr>
+              <a:t>Crossorigin</a:t>
+            </a:r>
+            <a:r>
+              <a:rPr lang="tr-TR" sz="2000" b="1" dirty="0">
+                <a:solidFill>
+                  <a:schemeClr val="bg1"/>
+                </a:solidFill>
+                <a:latin typeface="Bahnschrift SemiBold" panose="020B0502040204020203" pitchFamily="34" charset="0"/>
+              </a:rPr>
+              <a:t>(Çapraz kaynak)</a:t>
+            </a:r>
+          </a:p>
+          <a:p>
+            <a:pPr marL="0" indent="0">
+              <a:buNone/>
+            </a:pPr>
+            <a:r>
+              <a:rPr lang="tr-TR" sz="1800" dirty="0">
+                <a:solidFill>
+                  <a:schemeClr val="bg1"/>
+                </a:solidFill>
+                <a:latin typeface="Bahnschrift SemiBold" panose="020B0502040204020203" pitchFamily="34" charset="0"/>
+                <a:cs typeface="Arial" panose="020B0604020202020204" pitchFamily="34" charset="0"/>
+              </a:rPr>
+              <a:t>Web sayfaları internetteki birçok </a:t>
+            </a:r>
+            <a:r>
+              <a:rPr lang="tr-TR" sz="1800" dirty="0" err="1">
+                <a:solidFill>
+                  <a:schemeClr val="bg1"/>
+                </a:solidFill>
+                <a:latin typeface="Bahnschrift SemiBold" panose="020B0502040204020203" pitchFamily="34" charset="0"/>
+                <a:cs typeface="Arial" panose="020B0604020202020204" pitchFamily="34" charset="0"/>
+              </a:rPr>
+              <a:t>kanağa</a:t>
+            </a:r>
+            <a:r>
+              <a:rPr lang="tr-TR" sz="1800" dirty="0">
+                <a:solidFill>
+                  <a:schemeClr val="bg1"/>
+                </a:solidFill>
+                <a:latin typeface="Bahnschrift SemiBold" panose="020B0502040204020203" pitchFamily="34" charset="0"/>
+                <a:cs typeface="Arial" panose="020B0604020202020204" pitchFamily="34" charset="0"/>
+              </a:rPr>
+              <a:t> istek yapar bu istekler http CORS olarak adlandırılır. Bu isteklerin yapıldığı kaynaklar kimlik doğrulaması yapabilir bu doğrulama için tarayıcı arka planda kimlik tanımlayıcı taşır bu tanımlayıcı çapraz kaynak olarak bizim istek yaptığımız site bilgilerini de beraberinde gönderir. Bu istekler iki durumda incelenir</a:t>
+            </a:r>
+          </a:p>
+          <a:p>
+            <a:pPr marL="0" indent="0">
+              <a:buNone/>
+            </a:pPr>
+            <a:r>
+              <a:rPr lang="tr-TR" sz="1800" dirty="0">
+                <a:solidFill>
+                  <a:schemeClr val="bg1"/>
+                </a:solidFill>
+                <a:latin typeface="Bahnschrift SemiBold" panose="020B0502040204020203" pitchFamily="34" charset="0"/>
+                <a:cs typeface="Arial" panose="020B0604020202020204" pitchFamily="34" charset="0"/>
+              </a:rPr>
+              <a:t>anonim - Bir çapraz kaynak isteği gerçekleştirilir. Kimlik bilgileri gönderilmez</a:t>
+            </a:r>
+          </a:p>
+          <a:p>
+            <a:pPr marL="0" indent="0">
+              <a:buNone/>
+            </a:pPr>
+            <a:r>
+              <a:rPr lang="tr-TR" sz="1800" dirty="0" err="1">
+                <a:solidFill>
+                  <a:schemeClr val="bg1"/>
+                </a:solidFill>
+                <a:latin typeface="Bahnschrift SemiBold" panose="020B0502040204020203" pitchFamily="34" charset="0"/>
+                <a:cs typeface="Arial" panose="020B0604020202020204" pitchFamily="34" charset="0"/>
+              </a:rPr>
+              <a:t>use-credentials</a:t>
+            </a:r>
+            <a:r>
+              <a:rPr lang="tr-TR" sz="1800" dirty="0">
+                <a:solidFill>
+                  <a:schemeClr val="bg1"/>
+                </a:solidFill>
+                <a:latin typeface="Bahnschrift SemiBold" panose="020B0502040204020203" pitchFamily="34" charset="0"/>
+                <a:cs typeface="Arial" panose="020B0604020202020204" pitchFamily="34" charset="0"/>
+              </a:rPr>
+              <a:t> - Bir çapraz kaynak isteği gerçekleştirilir. Kimlik bilgileri gönderilir (ör. tanımlama bilgisi, sertifika, HTTP Temel kimlik doğrulaması)</a:t>
+            </a:r>
+          </a:p>
+          <a:p>
+            <a:pPr marL="0" indent="0">
+              <a:buNone/>
+            </a:pPr>
+            <a:endParaRPr lang="tr-TR" sz="1800" dirty="0">
+              <a:solidFill>
+                <a:schemeClr val="bg1"/>
+              </a:solidFill>
+              <a:latin typeface="Bahnschrift SemiBold" panose="020B0502040204020203" pitchFamily="34" charset="0"/>
+              <a:cs typeface="Arial" panose="020B0604020202020204" pitchFamily="34" charset="0"/>
+            </a:endParaRPr>
+          </a:p>
+          <a:p>
+            <a:pPr marL="0" indent="0">
+              <a:buNone/>
+            </a:pPr>
+            <a:endParaRPr lang="tr-TR" sz="1800" dirty="0">
+              <a:solidFill>
+                <a:schemeClr val="bg1"/>
+              </a:solidFill>
+              <a:latin typeface="Bahnschrift SemiBold" panose="020B0502040204020203" pitchFamily="34" charset="0"/>
+              <a:cs typeface="Arial" panose="020B0604020202020204" pitchFamily="34" charset="0"/>
+            </a:endParaRPr>
+          </a:p>
+        </p:txBody>
+      </p:sp>
+    </p:spTree>
+    <p:extLst>
+      <p:ext uri="{BB962C8B-B14F-4D97-AF65-F5344CB8AC3E}">
+        <p14:creationId xmlns:p14="http://schemas.microsoft.com/office/powerpoint/2010/main" val="273523170"/>
+      </p:ext>
+    </p:extLst>
+  </p:cSld>
+  <p:clrMapOvr>
+    <a:masterClrMapping/>
+  </p:clrMapOvr>
+</p:sld>
+</file>
+
+<file path=ppt/slides/slide7.xml><?xml version="1.0" encoding="utf-8"?>
+<p:sld xmlns:a="http://schemas.openxmlformats.org/drawingml/2006/main" xmlns:r="http://schemas.openxmlformats.org/officeDocument/2006/relationships" xmlns:p="http://schemas.openxmlformats.org/presentationml/2006/main">
+  <p:cSld>
+    <p:bg>
+      <p:bgPr>
+        <a:solidFill>
+          <a:srgbClr val="29344A"/>
+        </a:solidFill>
+        <a:effectLst/>
+      </p:bgPr>
+    </p:bg>
+    <p:spTree>
+      <p:nvGrpSpPr>
+        <p:cNvPr id="1" name=""/>
+        <p:cNvGrpSpPr/>
+        <p:nvPr/>
+      </p:nvGrpSpPr>
+      <p:grpSpPr>
+        <a:xfrm>
+          <a:off x="0" y="0"/>
+          <a:ext cx="0" cy="0"/>
+          <a:chOff x="0" y="0"/>
+          <a:chExt cx="0" cy="0"/>
+        </a:xfrm>
+      </p:grpSpPr>
+      <p:sp>
+        <p:nvSpPr>
+          <p:cNvPr id="2" name="Başlık 1">
+            <a:extLst>
+              <a:ext uri="{FF2B5EF4-FFF2-40B4-BE49-F238E27FC236}">
+                <a16:creationId xmlns:a16="http://schemas.microsoft.com/office/drawing/2014/main" id="{AA8E173F-A0C7-86F2-E38E-8AC1948DAA06}"/>
+              </a:ext>
+            </a:extLst>
+          </p:cNvPr>
+          <p:cNvSpPr>
+            <a:spLocks noGrp="1"/>
+          </p:cNvSpPr>
+          <p:nvPr>
+            <p:ph type="title"/>
+          </p:nvPr>
+        </p:nvSpPr>
+        <p:spPr>
+          <a:xfrm>
+            <a:off x="2088291" y="365125"/>
+            <a:ext cx="8894805" cy="1040027"/>
+          </a:xfrm>
+          <a:solidFill>
+            <a:srgbClr val="00C26C"/>
+          </a:solidFill>
+          <a:ln w="76200">
+            <a:solidFill>
+              <a:schemeClr val="bg1"/>
+            </a:solidFill>
+          </a:ln>
+        </p:spPr>
+        <p:txBody>
+          <a:bodyPr/>
+          <a:lstStyle/>
+          <a:p>
+            <a:r>
+              <a:rPr lang="tr-TR" dirty="0">
+                <a:solidFill>
+                  <a:schemeClr val="bg1"/>
+                </a:solidFill>
+                <a:latin typeface="Adobe Fan Heiti Std B" panose="020B0700000000000000" pitchFamily="34" charset="-128"/>
+                <a:ea typeface="Adobe Fan Heiti Std B" panose="020B0700000000000000" pitchFamily="34" charset="-128"/>
+              </a:rPr>
+              <a:t># 2.hafta Ödev1</a:t>
+            </a:r>
+          </a:p>
+        </p:txBody>
+      </p:sp>
+      <p:pic>
+        <p:nvPicPr>
+          <p:cNvPr id="4" name="Resim 3">
+            <a:extLst>
+              <a:ext uri="{FF2B5EF4-FFF2-40B4-BE49-F238E27FC236}">
+                <a16:creationId xmlns:a16="http://schemas.microsoft.com/office/drawing/2014/main" id="{06B69462-DC45-9F96-E523-2D80869D34E1}"/>
+              </a:ext>
+            </a:extLst>
+          </p:cNvPr>
+          <p:cNvPicPr>
+            <a:picLocks noChangeAspect="1"/>
+          </p:cNvPicPr>
+          <p:nvPr/>
+        </p:nvPicPr>
+        <p:blipFill>
+          <a:blip r:embed="rId2"/>
+          <a:stretch>
+            <a:fillRect/>
+          </a:stretch>
+        </p:blipFill>
+        <p:spPr>
+          <a:xfrm>
+            <a:off x="838200" y="365125"/>
+            <a:ext cx="1040027" cy="1040027"/>
+          </a:xfrm>
+          <a:prstGeom prst="rect">
+            <a:avLst/>
+          </a:prstGeom>
+          <a:solidFill>
+            <a:srgbClr val="FFFFFF">
+              <a:shade val="85000"/>
+            </a:srgbClr>
+          </a:solidFill>
+          <a:ln w="88900" cap="sq">
+            <a:solidFill>
+              <a:srgbClr val="FFFFFF"/>
+            </a:solidFill>
+            <a:miter lim="800000"/>
+          </a:ln>
+          <a:effectLst>
+            <a:outerShdw blurRad="55000" dist="18000" dir="5400000" algn="tl" rotWithShape="0">
+              <a:srgbClr val="000000">
+                <a:alpha val="40000"/>
+              </a:srgbClr>
+            </a:outerShdw>
+          </a:effectLst>
+          <a:scene3d>
+            <a:camera prst="orthographicFront"/>
+            <a:lightRig rig="twoPt" dir="t">
+              <a:rot lat="0" lon="0" rev="7200000"/>
+            </a:lightRig>
+          </a:scene3d>
+          <a:sp3d>
+            <a:bevelT w="25400" h="19050"/>
+            <a:contourClr>
+              <a:srgbClr val="FFFFFF"/>
+            </a:contourClr>
+          </a:sp3d>
+        </p:spPr>
+      </p:pic>
+      <p:sp>
+        <p:nvSpPr>
+          <p:cNvPr id="3" name="İçerik Yer Tutucusu 2">
+            <a:extLst>
+              <a:ext uri="{FF2B5EF4-FFF2-40B4-BE49-F238E27FC236}">
+                <a16:creationId xmlns:a16="http://schemas.microsoft.com/office/drawing/2014/main" id="{0167A820-179F-E710-798B-F26EED585CC0}"/>
+              </a:ext>
+            </a:extLst>
+          </p:cNvPr>
+          <p:cNvSpPr>
+            <a:spLocks noGrp="1"/>
+          </p:cNvSpPr>
+          <p:nvPr>
+            <p:ph idx="1"/>
+          </p:nvPr>
+        </p:nvSpPr>
+        <p:spPr>
+          <a:xfrm>
+            <a:off x="838199" y="1553777"/>
+            <a:ext cx="10144897" cy="4735812"/>
+          </a:xfrm>
+        </p:spPr>
+        <p:txBody>
+          <a:bodyPr numCol="2" spcCol="360000">
+            <a:normAutofit/>
+          </a:bodyPr>
+          <a:lstStyle/>
+          <a:p>
+            <a:pPr marL="0" indent="0">
+              <a:buNone/>
+            </a:pPr>
+            <a:r>
+              <a:rPr lang="tr-TR" sz="1800" dirty="0">
+                <a:solidFill>
+                  <a:schemeClr val="bg1"/>
+                </a:solidFill>
+                <a:latin typeface="Bahnschrift SemiBold" panose="020B0502040204020203" pitchFamily="34" charset="0"/>
+                <a:cs typeface="Arial" panose="020B0604020202020204" pitchFamily="34" charset="0"/>
+              </a:rPr>
+              <a:t>Eğer </a:t>
+            </a:r>
+            <a:r>
+              <a:rPr lang="tr-TR" sz="1800" dirty="0" err="1">
+                <a:solidFill>
+                  <a:schemeClr val="bg1"/>
+                </a:solidFill>
+                <a:latin typeface="Bahnschrift SemiBold" panose="020B0502040204020203" pitchFamily="34" charset="0"/>
+                <a:cs typeface="Arial" panose="020B0604020202020204" pitchFamily="34" charset="0"/>
+              </a:rPr>
+              <a:t>use-credentials</a:t>
+            </a:r>
+            <a:r>
+              <a:rPr lang="tr-TR" sz="1800" dirty="0">
+                <a:solidFill>
+                  <a:schemeClr val="bg1"/>
+                </a:solidFill>
+                <a:latin typeface="Bahnschrift SemiBold" panose="020B0502040204020203" pitchFamily="34" charset="0"/>
+                <a:cs typeface="Arial" panose="020B0604020202020204" pitchFamily="34" charset="0"/>
+              </a:rPr>
+              <a:t> isteği hatalı tanımlanmışsa istek yapılan kaynak isteği reddetme imkanı bulunur</a:t>
+            </a:r>
+          </a:p>
+          <a:p>
+            <a:pPr marL="0" indent="0">
+              <a:buNone/>
+            </a:pPr>
+            <a:endParaRPr lang="tr-TR" sz="1800" dirty="0">
+              <a:solidFill>
+                <a:schemeClr val="bg1"/>
+              </a:solidFill>
+              <a:latin typeface="Bahnschrift SemiBold" panose="020B0502040204020203" pitchFamily="34" charset="0"/>
+              <a:cs typeface="Arial" panose="020B0604020202020204" pitchFamily="34" charset="0"/>
+            </a:endParaRPr>
+          </a:p>
+          <a:p>
+            <a:pPr marL="0" indent="0">
+              <a:buNone/>
+            </a:pPr>
+            <a:r>
+              <a:rPr lang="tr-TR" sz="1800" dirty="0">
+                <a:solidFill>
+                  <a:schemeClr val="bg1"/>
+                </a:solidFill>
+                <a:latin typeface="Bahnschrift SemiBold" panose="020B0502040204020203" pitchFamily="34" charset="0"/>
+                <a:cs typeface="Arial" panose="020B0604020202020204" pitchFamily="34" charset="0"/>
+              </a:rPr>
+              <a:t>Anonim bir istek yapılırsa da daha önceden tanımlanmış kısıtlı erişim imkanına sahip oluruz.</a:t>
+            </a:r>
+          </a:p>
+          <a:p>
+            <a:pPr marL="0" indent="0">
+              <a:buNone/>
+            </a:pPr>
+            <a:endParaRPr lang="tr-TR" sz="1800" dirty="0">
+              <a:solidFill>
+                <a:schemeClr val="bg1"/>
+              </a:solidFill>
+              <a:latin typeface="Bahnschrift SemiBold" panose="020B0502040204020203" pitchFamily="34" charset="0"/>
+              <a:cs typeface="Arial" panose="020B0604020202020204" pitchFamily="34" charset="0"/>
+            </a:endParaRPr>
+          </a:p>
+          <a:p>
+            <a:pPr marL="0" indent="0">
+              <a:buNone/>
+            </a:pPr>
+            <a:r>
+              <a:rPr lang="tr-TR" sz="1800" dirty="0" err="1">
+                <a:solidFill>
+                  <a:schemeClr val="bg1"/>
+                </a:solidFill>
+                <a:latin typeface="Bahnschrift SemiBold" panose="020B0502040204020203" pitchFamily="34" charset="0"/>
+                <a:cs typeface="Arial" panose="020B0604020202020204" pitchFamily="34" charset="0"/>
+              </a:rPr>
+              <a:t>Scroll</a:t>
+            </a:r>
+            <a:r>
+              <a:rPr lang="tr-TR" sz="1800" dirty="0">
+                <a:solidFill>
+                  <a:schemeClr val="bg1"/>
+                </a:solidFill>
+                <a:latin typeface="Bahnschrift SemiBold" panose="020B0502040204020203" pitchFamily="34" charset="0"/>
+                <a:cs typeface="Arial" panose="020B0604020202020204" pitchFamily="34" charset="0"/>
+              </a:rPr>
+              <a:t> </a:t>
+            </a:r>
+            <a:r>
+              <a:rPr lang="tr-TR" sz="1800" dirty="0" err="1">
+                <a:solidFill>
+                  <a:schemeClr val="bg1"/>
+                </a:solidFill>
+                <a:latin typeface="Bahnschrift SemiBold" panose="020B0502040204020203" pitchFamily="34" charset="0"/>
+                <a:cs typeface="Arial" panose="020B0604020202020204" pitchFamily="34" charset="0"/>
+              </a:rPr>
+              <a:t>spy</a:t>
+            </a:r>
+            <a:r>
+              <a:rPr lang="tr-TR" sz="1800" dirty="0">
+                <a:solidFill>
+                  <a:schemeClr val="bg1"/>
+                </a:solidFill>
+                <a:latin typeface="Bahnschrift SemiBold" panose="020B0502040204020203" pitchFamily="34" charset="0"/>
+                <a:cs typeface="Arial" panose="020B0604020202020204" pitchFamily="34" charset="0"/>
+              </a:rPr>
+              <a:t> örneği 2.hafta 2.</a:t>
+            </a:r>
+            <a:r>
+              <a:rPr lang="tr-TR" sz="1800">
+                <a:solidFill>
+                  <a:schemeClr val="bg1"/>
+                </a:solidFill>
+                <a:latin typeface="Bahnschrift SemiBold" panose="020B0502040204020203" pitchFamily="34" charset="0"/>
+                <a:cs typeface="Arial" panose="020B0604020202020204" pitchFamily="34" charset="0"/>
+              </a:rPr>
+              <a:t>ders klasöründe</a:t>
+            </a:r>
+            <a:endParaRPr lang="tr-TR" sz="1800" dirty="0">
+              <a:solidFill>
+                <a:schemeClr val="bg1"/>
+              </a:solidFill>
+              <a:latin typeface="Bahnschrift SemiBold" panose="020B0502040204020203" pitchFamily="34" charset="0"/>
+              <a:cs typeface="Arial" panose="020B0604020202020204" pitchFamily="34" charset="0"/>
+            </a:endParaRPr>
+          </a:p>
+          <a:p>
+            <a:pPr marL="0" indent="0">
+              <a:buNone/>
+            </a:pPr>
+            <a:endParaRPr lang="tr-TR" sz="1800" dirty="0">
+              <a:solidFill>
+                <a:schemeClr val="bg1"/>
+              </a:solidFill>
+              <a:latin typeface="Bahnschrift SemiBold" panose="020B0502040204020203" pitchFamily="34" charset="0"/>
+              <a:cs typeface="Arial" panose="020B0604020202020204" pitchFamily="34" charset="0"/>
+            </a:endParaRPr>
+          </a:p>
+          <a:p>
+            <a:pPr marL="0" indent="0">
+              <a:buNone/>
+            </a:pPr>
+            <a:endParaRPr lang="tr-TR" sz="1800" dirty="0">
+              <a:solidFill>
+                <a:schemeClr val="bg1"/>
+              </a:solidFill>
+              <a:latin typeface="Bahnschrift SemiBold" panose="020B0502040204020203" pitchFamily="34" charset="0"/>
+              <a:cs typeface="Arial" panose="020B0604020202020204" pitchFamily="34" charset="0"/>
+            </a:endParaRPr>
+          </a:p>
+        </p:txBody>
+      </p:sp>
+    </p:spTree>
+    <p:extLst>
+      <p:ext uri="{BB962C8B-B14F-4D97-AF65-F5344CB8AC3E}">
+        <p14:creationId xmlns:p14="http://schemas.microsoft.com/office/powerpoint/2010/main" val="2311138658"/>
+      </p:ext>
+    </p:extLst>
+  </p:cSld>
+  <p:clrMapOvr>
+    <a:masterClrMapping/>
+  </p:clrMapOvr>
+</p:sld>
+</file>
+
 <file path=ppt/theme/theme1.xml><?xml version="1.0" encoding="utf-8"?>
 <a:theme xmlns:a="http://schemas.openxmlformats.org/drawingml/2006/main" name="Office Teması">
   <a:themeElements>
